--- a/final PPT.pptx
+++ b/final PPT.pptx
@@ -34,7 +34,8 @@
     <p:sldId id="282" r:id="rId28"/>
     <p:sldId id="283" r:id="rId29"/>
     <p:sldId id="284" r:id="rId30"/>
-    <p:sldId id="285" r:id="rId31"/>
+    <p:sldId id="286" r:id="rId31"/>
+    <p:sldId id="285" r:id="rId32"/>
   </p:sldIdLst>
   <p:sldSz cx="4610100" cy="3460750"/>
   <p:notesSz cx="4610100" cy="3460750"/>
@@ -318,7 +319,7 @@
           <a:p>
             <a:fld id="{1D8BD707-D9CF-40AE-B4C6-C98DA3205C09}" type="datetimeFigureOut">
               <a:rPr lang="en-US"/>
-              <a:t>3/14/2022</a:t>
+              <a:t>3/14/22</a:t>
             </a:fld>
             <a:endParaRPr lang="en-US"/>
           </a:p>
@@ -522,7 +523,7 @@
           <a:p>
             <a:fld id="{1D8BD707-D9CF-40AE-B4C6-C98DA3205C09}" type="datetimeFigureOut">
               <a:rPr lang="en-US"/>
-              <a:t>3/14/2022</a:t>
+              <a:t>3/14/22</a:t>
             </a:fld>
             <a:endParaRPr lang="en-US"/>
           </a:p>
@@ -763,7 +764,7 @@
           <a:p>
             <a:fld id="{1D8BD707-D9CF-40AE-B4C6-C98DA3205C09}" type="datetimeFigureOut">
               <a:rPr lang="en-US"/>
-              <a:t>3/14/2022</a:t>
+              <a:t>3/14/22</a:t>
             </a:fld>
             <a:endParaRPr lang="en-US"/>
           </a:p>
@@ -1118,7 +1119,7 @@
           <a:p>
             <a:fld id="{1D8BD707-D9CF-40AE-B4C6-C98DA3205C09}" type="datetimeFigureOut">
               <a:rPr lang="en-US"/>
-              <a:t>3/14/2022</a:t>
+              <a:t>3/14/22</a:t>
             </a:fld>
             <a:endParaRPr lang="en-US"/>
           </a:p>
@@ -1394,7 +1395,7 @@
           <a:p>
             <a:fld id="{1D8BD707-D9CF-40AE-B4C6-C98DA3205C09}" type="datetimeFigureOut">
               <a:rPr lang="en-US"/>
-              <a:t>3/14/2022</a:t>
+              <a:t>3/14/22</a:t>
             </a:fld>
             <a:endParaRPr lang="en-US"/>
           </a:p>
@@ -1718,7 +1719,7 @@
           <a:p>
             <a:fld id="{1D8BD707-D9CF-40AE-B4C6-C98DA3205C09}" type="datetimeFigureOut">
               <a:rPr lang="en-US"/>
-              <a:t>3/14/2022</a:t>
+              <a:t>3/14/22</a:t>
             </a:fld>
             <a:endParaRPr lang="en-US"/>
           </a:p>
@@ -37779,7 +37780,7 @@
               </a:rPr>
               <a:t>cons?</a:t>
             </a:r>
-            <a:endParaRPr sz="1200">
+            <a:endParaRPr sz="1200" dirty="0">
               <a:latin typeface="Arial"/>
               <a:cs typeface="Arial"/>
             </a:endParaRPr>
@@ -37923,7 +37924,7 @@
               </a:rPr>
               <a:t>Regression</a:t>
             </a:r>
-            <a:endParaRPr sz="1100">
+            <a:endParaRPr sz="1100" dirty="0">
               <a:latin typeface="Tahoma"/>
               <a:cs typeface="Tahoma"/>
             </a:endParaRPr>
@@ -38084,7 +38085,7 @@
               </a:rPr>
               <a:t>(KNN)</a:t>
             </a:r>
-            <a:endParaRPr sz="1100">
+            <a:endParaRPr sz="1100" dirty="0">
               <a:latin typeface="Tahoma"/>
               <a:cs typeface="Tahoma"/>
             </a:endParaRPr>
@@ -38148,7 +38149,7 @@
               </a:rPr>
               <a:t>validation</a:t>
             </a:r>
-            <a:endParaRPr sz="1100">
+            <a:endParaRPr sz="1100" dirty="0">
               <a:latin typeface="Tahoma"/>
               <a:cs typeface="Tahoma"/>
             </a:endParaRPr>
@@ -38272,7 +38273,7 @@
               </a:rPr>
               <a:t>(LSTM)</a:t>
             </a:r>
-            <a:endParaRPr sz="1100">
+            <a:endParaRPr sz="1100" dirty="0">
               <a:latin typeface="Tahoma"/>
               <a:cs typeface="Tahoma"/>
             </a:endParaRPr>
@@ -39910,6 +39911,193 @@
 </file>
 
 <file path=ppt/slides/slide30.xml><?xml version="1.0" encoding="utf-8"?>
+<p:sld xmlns:a="http://schemas.openxmlformats.org/drawingml/2006/main" xmlns:r="http://schemas.openxmlformats.org/officeDocument/2006/relationships" xmlns:p="http://schemas.openxmlformats.org/presentationml/2006/main">
+  <p:cSld>
+    <p:spTree>
+      <p:nvGrpSpPr>
+        <p:cNvPr id="1" name=""/>
+        <p:cNvGrpSpPr/>
+        <p:nvPr/>
+      </p:nvGrpSpPr>
+      <p:grpSpPr>
+        <a:xfrm>
+          <a:off x="0" y="0"/>
+          <a:ext cx="0" cy="0"/>
+          <a:chOff x="0" y="0"/>
+          <a:chExt cx="0" cy="0"/>
+        </a:xfrm>
+      </p:grpSpPr>
+      <p:sp>
+        <p:nvSpPr>
+          <p:cNvPr id="2" name="Title 1">
+            <a:extLst>
+              <a:ext uri="{FF2B5EF4-FFF2-40B4-BE49-F238E27FC236}">
+                <a16:creationId xmlns:a16="http://schemas.microsoft.com/office/drawing/2014/main" id="{B070A00B-E312-0144-A1E6-A6D190AD1EFD}"/>
+              </a:ext>
+            </a:extLst>
+          </p:cNvPr>
+          <p:cNvSpPr>
+            <a:spLocks noGrp="1"/>
+          </p:cNvSpPr>
+          <p:nvPr>
+            <p:ph type="title"/>
+          </p:nvPr>
+        </p:nvSpPr>
+        <p:spPr>
+          <a:xfrm>
+            <a:off x="1543050" y="130175"/>
+            <a:ext cx="1700073" cy="381000"/>
+          </a:xfrm>
+        </p:spPr>
+        <p:txBody>
+          <a:bodyPr/>
+          <a:lstStyle/>
+          <a:p>
+            <a:r>
+              <a:rPr lang="en-US" dirty="0"/>
+              <a:t>References</a:t>
+            </a:r>
+          </a:p>
+        </p:txBody>
+      </p:sp>
+      <p:sp>
+        <p:nvSpPr>
+          <p:cNvPr id="3" name="Text Placeholder 2">
+            <a:extLst>
+              <a:ext uri="{FF2B5EF4-FFF2-40B4-BE49-F238E27FC236}">
+                <a16:creationId xmlns:a16="http://schemas.microsoft.com/office/drawing/2014/main" id="{F0AA1E97-E1A2-9B48-A63D-FA1D6228B6E3}"/>
+              </a:ext>
+            </a:extLst>
+          </p:cNvPr>
+          <p:cNvSpPr>
+            <a:spLocks noGrp="1"/>
+          </p:cNvSpPr>
+          <p:nvPr>
+            <p:ph type="body" idx="1"/>
+          </p:nvPr>
+        </p:nvSpPr>
+        <p:spPr>
+          <a:xfrm>
+            <a:off x="190341" y="663575"/>
+            <a:ext cx="4229417" cy="2354491"/>
+          </a:xfrm>
+        </p:spPr>
+        <p:txBody>
+          <a:bodyPr/>
+          <a:lstStyle/>
+          <a:p>
+            <a:r>
+              <a:rPr lang="en-US" sz="900" dirty="0"/>
+              <a:t>[1]"Using machine learning to predict future bitcoin prices"</a:t>
+            </a:r>
+            <a:br>
+              <a:rPr lang="en-US" sz="900" dirty="0"/>
+            </a:br>
+            <a:r>
+              <a:rPr lang="en-US" sz="900" dirty="0">
+                <a:hlinkClick r:id="rId2"/>
+              </a:rPr>
+              <a:t>https://towardsdatascience.com/using-machine-learning-to-predict-future-bitcoin-prices-6637e7bfa58f</a:t>
+            </a:r>
+            <a:endParaRPr lang="en-US" sz="900" dirty="0"/>
+          </a:p>
+          <a:p>
+            <a:br>
+              <a:rPr lang="en-US" sz="900" dirty="0"/>
+            </a:br>
+            <a:r>
+              <a:rPr lang="en-US" sz="900" dirty="0"/>
+              <a:t>[2]"Time-Series Forecasting: Predicting Stock Prices Using An LSTM Model"</a:t>
+            </a:r>
+            <a:br>
+              <a:rPr lang="en-US" sz="900" dirty="0"/>
+            </a:br>
+            <a:r>
+              <a:rPr lang="en-US" sz="900" dirty="0">
+                <a:hlinkClick r:id="rId3"/>
+              </a:rPr>
+              <a:t>https://towardsdatascience.com/lstm-time-series-forecasting-predicting-stock-prices-using-an-lstm-model-6223e9644a2f</a:t>
+            </a:r>
+            <a:endParaRPr lang="en-US" sz="900" dirty="0"/>
+          </a:p>
+          <a:p>
+            <a:br>
+              <a:rPr lang="en-US" sz="900" dirty="0"/>
+            </a:br>
+            <a:r>
+              <a:rPr lang="en-US" sz="900" dirty="0"/>
+              <a:t>[3]" There are 23 bitcoin datasets available on </a:t>
+            </a:r>
+            <a:r>
+              <a:rPr lang="en-US" sz="900" dirty="0" err="1"/>
+              <a:t>data.world</a:t>
+            </a:r>
+            <a:r>
+              <a:rPr lang="en-US" sz="900" dirty="0"/>
+              <a:t>.” </a:t>
+            </a:r>
+            <a:r>
+              <a:rPr lang="en-US" sz="900" dirty="0">
+                <a:hlinkClick r:id="rId4"/>
+              </a:rPr>
+              <a:t>https://data.world/datasets/bitcoin</a:t>
+            </a:r>
+            <a:endParaRPr lang="en-US" sz="900" dirty="0"/>
+          </a:p>
+          <a:p>
+            <a:br>
+              <a:rPr lang="en-US" sz="900" dirty="0"/>
+            </a:br>
+            <a:r>
+              <a:rPr lang="en-US" sz="900" dirty="0"/>
+              <a:t>[4]"Ethereum Historical Dataset"</a:t>
+            </a:r>
+            <a:br>
+              <a:rPr lang="en-US" sz="900" dirty="0"/>
+            </a:br>
+            <a:r>
+              <a:rPr lang="en-US" sz="900" dirty="0">
+                <a:hlinkClick r:id="rId5"/>
+              </a:rPr>
+              <a:t>https://www.kaggle.com/prasoonkottarathil/ethereum-historical-dataset</a:t>
+            </a:r>
+            <a:endParaRPr lang="en-US" sz="900" dirty="0"/>
+          </a:p>
+          <a:p>
+            <a:br>
+              <a:rPr lang="en-US" sz="900" dirty="0"/>
+            </a:br>
+            <a:r>
+              <a:rPr lang="en-US" sz="900" dirty="0"/>
+              <a:t>[5]" Is bitcoin an uncorrelated asset?" </a:t>
+            </a:r>
+            <a:r>
+              <a:rPr lang="en-US" sz="900" dirty="0">
+                <a:hlinkClick r:id="rId6"/>
+              </a:rPr>
+              <a:t>https://www.marketwatch.com/story/is-bitcoin-an-uncorrelated-asset-these-stocks-and-funds-boast-correlations-higherand-lowerthan-coinbase-11622826320</a:t>
+            </a:r>
+            <a:r>
+              <a:rPr lang="en-US" sz="900" dirty="0"/>
+              <a:t> </a:t>
+            </a:r>
+          </a:p>
+        </p:txBody>
+      </p:sp>
+    </p:spTree>
+    <p:extLst>
+      <p:ext uri="{BB962C8B-B14F-4D97-AF65-F5344CB8AC3E}">
+        <p14:creationId xmlns:p14="http://schemas.microsoft.com/office/powerpoint/2010/main" val="1098654280"/>
+      </p:ext>
+    </p:extLst>
+  </p:cSld>
+  <p:clrMapOvr>
+    <a:masterClrMapping/>
+  </p:clrMapOvr>
+</p:sld>
+</file>
+
+<file path=ppt/slides/slide31.xml><?xml version="1.0" encoding="utf-8"?>
 <p:sld xmlns:a="http://schemas.openxmlformats.org/drawingml/2006/main" xmlns:r="http://schemas.openxmlformats.org/officeDocument/2006/relationships" xmlns:p="http://schemas.openxmlformats.org/presentationml/2006/main">
   <p:cSld>
     <p:spTree>
